--- a/ppt 16-9/0842.愿献所有.pptx
+++ b/ppt 16-9/0842.愿献所有.pptx
@@ -129,7 +129,7 @@
           <p:cNvPr id="2" name="标题 1">
             <a:extLst>
               <a:ext uri="{FF2B5EF4-FFF2-40B4-BE49-F238E27FC236}">
-                <a16:creationId xmlns:a16="http://schemas.microsoft.com/office/drawing/2014/main" id="{C6E8D871-FFC1-7AD5-D239-AB2CB4F8D5DC}"/>
+                <a16:creationId xmlns:a16="http://schemas.microsoft.com/office/drawing/2014/main" id="{8721AAD1-907B-DB25-E44A-8FA2ABCF64B0}"/>
               </a:ext>
             </a:extLst>
           </p:cNvPr>
@@ -166,7 +166,7 @@
           <p:cNvPr id="3" name="副标题 2">
             <a:extLst>
               <a:ext uri="{FF2B5EF4-FFF2-40B4-BE49-F238E27FC236}">
-                <a16:creationId xmlns:a16="http://schemas.microsoft.com/office/drawing/2014/main" id="{CC905DD4-4530-2EF9-B98C-754B85591C75}"/>
+                <a16:creationId xmlns:a16="http://schemas.microsoft.com/office/drawing/2014/main" id="{91B3F8A1-8BE7-54B9-13B0-5E25B471EE50}"/>
               </a:ext>
             </a:extLst>
           </p:cNvPr>
@@ -236,7 +236,7 @@
           <p:cNvPr id="4" name="日期占位符 3">
             <a:extLst>
               <a:ext uri="{FF2B5EF4-FFF2-40B4-BE49-F238E27FC236}">
-                <a16:creationId xmlns:a16="http://schemas.microsoft.com/office/drawing/2014/main" id="{4EBC2311-874E-A4C5-19AD-66A39FD27DAD}"/>
+                <a16:creationId xmlns:a16="http://schemas.microsoft.com/office/drawing/2014/main" id="{3E9ADB9B-63B3-A22C-604A-4C44E251A109}"/>
               </a:ext>
             </a:extLst>
           </p:cNvPr>
@@ -252,7 +252,7 @@
           <a:bodyPr/>
           <a:lstStyle/>
           <a:p>
-            <a:fld id="{4AC4825B-DD2A-43F4-A414-3C3DE5EB708F}" type="datetimeFigureOut">
+            <a:fld id="{4E5DD81E-C2FF-44D9-80F9-B592F4D7ABEA}" type="datetimeFigureOut">
               <a:rPr lang="zh-CN" altLang="en-US" smtClean="0"/>
               <a:t>2024/3/10</a:t>
             </a:fld>
@@ -265,7 +265,7 @@
           <p:cNvPr id="5" name="页脚占位符 4">
             <a:extLst>
               <a:ext uri="{FF2B5EF4-FFF2-40B4-BE49-F238E27FC236}">
-                <a16:creationId xmlns:a16="http://schemas.microsoft.com/office/drawing/2014/main" id="{0D7BE2D8-1534-60BB-A226-611767882E2D}"/>
+                <a16:creationId xmlns:a16="http://schemas.microsoft.com/office/drawing/2014/main" id="{97E9FE8B-C3E3-1B4A-BD8E-26BF7361439C}"/>
               </a:ext>
             </a:extLst>
           </p:cNvPr>
@@ -290,7 +290,7 @@
           <p:cNvPr id="6" name="灯片编号占位符 5">
             <a:extLst>
               <a:ext uri="{FF2B5EF4-FFF2-40B4-BE49-F238E27FC236}">
-                <a16:creationId xmlns:a16="http://schemas.microsoft.com/office/drawing/2014/main" id="{BAF41E8E-0327-7C42-3B12-0ED9E7027D74}"/>
+                <a16:creationId xmlns:a16="http://schemas.microsoft.com/office/drawing/2014/main" id="{EDB729D6-A950-D14B-95F3-2DF24B44277E}"/>
               </a:ext>
             </a:extLst>
           </p:cNvPr>
@@ -306,7 +306,7 @@
           <a:bodyPr/>
           <a:lstStyle/>
           <a:p>
-            <a:fld id="{89B8D5F6-16F9-40AC-9585-88446A60F740}" type="slidenum">
+            <a:fld id="{58A4C169-B032-4EA2-A37D-0E1DC3F0344F}" type="slidenum">
               <a:rPr lang="zh-CN" altLang="en-US" smtClean="0"/>
               <a:t>‹#›</a:t>
             </a:fld>
@@ -317,7 +317,7 @@
     </p:spTree>
     <p:extLst>
       <p:ext uri="{BB962C8B-B14F-4D97-AF65-F5344CB8AC3E}">
-        <p14:creationId xmlns:p14="http://schemas.microsoft.com/office/powerpoint/2010/main" val="2768794433"/>
+        <p14:creationId xmlns:p14="http://schemas.microsoft.com/office/powerpoint/2010/main" val="1233526436"/>
       </p:ext>
     </p:extLst>
   </p:cSld>
@@ -349,7 +349,7 @@
           <p:cNvPr id="2" name="标题 1">
             <a:extLst>
               <a:ext uri="{FF2B5EF4-FFF2-40B4-BE49-F238E27FC236}">
-                <a16:creationId xmlns:a16="http://schemas.microsoft.com/office/drawing/2014/main" id="{CCD0B32B-31D4-5D7B-7E36-37D3BA45B646}"/>
+                <a16:creationId xmlns:a16="http://schemas.microsoft.com/office/drawing/2014/main" id="{3CBA458F-F563-85F5-A015-5E271CA14BE0}"/>
               </a:ext>
             </a:extLst>
           </p:cNvPr>
@@ -377,7 +377,7 @@
           <p:cNvPr id="3" name="竖排文字占位符 2">
             <a:extLst>
               <a:ext uri="{FF2B5EF4-FFF2-40B4-BE49-F238E27FC236}">
-                <a16:creationId xmlns:a16="http://schemas.microsoft.com/office/drawing/2014/main" id="{5E9A9868-19B2-65C4-1114-09974A34EBA4}"/>
+                <a16:creationId xmlns:a16="http://schemas.microsoft.com/office/drawing/2014/main" id="{B9EB8E1F-C9C9-2628-0C70-AB914E2D4218}"/>
               </a:ext>
             </a:extLst>
           </p:cNvPr>
@@ -434,7 +434,7 @@
           <p:cNvPr id="4" name="日期占位符 3">
             <a:extLst>
               <a:ext uri="{FF2B5EF4-FFF2-40B4-BE49-F238E27FC236}">
-                <a16:creationId xmlns:a16="http://schemas.microsoft.com/office/drawing/2014/main" id="{5D33C930-1C4D-22E1-4192-91CEFBA05041}"/>
+                <a16:creationId xmlns:a16="http://schemas.microsoft.com/office/drawing/2014/main" id="{BAA80064-F24E-BA2F-DBA7-5F6FC433AF73}"/>
               </a:ext>
             </a:extLst>
           </p:cNvPr>
@@ -450,7 +450,7 @@
           <a:bodyPr/>
           <a:lstStyle/>
           <a:p>
-            <a:fld id="{4AC4825B-DD2A-43F4-A414-3C3DE5EB708F}" type="datetimeFigureOut">
+            <a:fld id="{4E5DD81E-C2FF-44D9-80F9-B592F4D7ABEA}" type="datetimeFigureOut">
               <a:rPr lang="zh-CN" altLang="en-US" smtClean="0"/>
               <a:t>2024/3/10</a:t>
             </a:fld>
@@ -463,7 +463,7 @@
           <p:cNvPr id="5" name="页脚占位符 4">
             <a:extLst>
               <a:ext uri="{FF2B5EF4-FFF2-40B4-BE49-F238E27FC236}">
-                <a16:creationId xmlns:a16="http://schemas.microsoft.com/office/drawing/2014/main" id="{7871EAF2-BE5B-9022-D83F-F49C261AF846}"/>
+                <a16:creationId xmlns:a16="http://schemas.microsoft.com/office/drawing/2014/main" id="{7FB39B3B-26EC-E242-8B8C-A5C2A9764C8A}"/>
               </a:ext>
             </a:extLst>
           </p:cNvPr>
@@ -488,7 +488,7 @@
           <p:cNvPr id="6" name="灯片编号占位符 5">
             <a:extLst>
               <a:ext uri="{FF2B5EF4-FFF2-40B4-BE49-F238E27FC236}">
-                <a16:creationId xmlns:a16="http://schemas.microsoft.com/office/drawing/2014/main" id="{5BBB29B9-0475-D65E-57B9-F81D26B4943C}"/>
+                <a16:creationId xmlns:a16="http://schemas.microsoft.com/office/drawing/2014/main" id="{6FD7D36A-2C6B-B414-4D1C-76F5237163DC}"/>
               </a:ext>
             </a:extLst>
           </p:cNvPr>
@@ -504,7 +504,7 @@
           <a:bodyPr/>
           <a:lstStyle/>
           <a:p>
-            <a:fld id="{89B8D5F6-16F9-40AC-9585-88446A60F740}" type="slidenum">
+            <a:fld id="{58A4C169-B032-4EA2-A37D-0E1DC3F0344F}" type="slidenum">
               <a:rPr lang="zh-CN" altLang="en-US" smtClean="0"/>
               <a:t>‹#›</a:t>
             </a:fld>
@@ -515,7 +515,7 @@
     </p:spTree>
     <p:extLst>
       <p:ext uri="{BB962C8B-B14F-4D97-AF65-F5344CB8AC3E}">
-        <p14:creationId xmlns:p14="http://schemas.microsoft.com/office/powerpoint/2010/main" val="4033409890"/>
+        <p14:creationId xmlns:p14="http://schemas.microsoft.com/office/powerpoint/2010/main" val="1049591013"/>
       </p:ext>
     </p:extLst>
   </p:cSld>
@@ -547,7 +547,7 @@
           <p:cNvPr id="2" name="竖排标题 1">
             <a:extLst>
               <a:ext uri="{FF2B5EF4-FFF2-40B4-BE49-F238E27FC236}">
-                <a16:creationId xmlns:a16="http://schemas.microsoft.com/office/drawing/2014/main" id="{FDF0DB6B-5F1B-5C38-45AA-BFDEB11F49F0}"/>
+                <a16:creationId xmlns:a16="http://schemas.microsoft.com/office/drawing/2014/main" id="{B3EB5B0B-52C5-BE46-6667-888DFEB32E00}"/>
               </a:ext>
             </a:extLst>
           </p:cNvPr>
@@ -580,7 +580,7 @@
           <p:cNvPr id="3" name="竖排文字占位符 2">
             <a:extLst>
               <a:ext uri="{FF2B5EF4-FFF2-40B4-BE49-F238E27FC236}">
-                <a16:creationId xmlns:a16="http://schemas.microsoft.com/office/drawing/2014/main" id="{A9DFA549-E61D-FC00-E4C7-52C03BC84907}"/>
+                <a16:creationId xmlns:a16="http://schemas.microsoft.com/office/drawing/2014/main" id="{8D9A8006-A50D-EE52-E5A0-E9B004190DCE}"/>
               </a:ext>
             </a:extLst>
           </p:cNvPr>
@@ -642,7 +642,7 @@
           <p:cNvPr id="4" name="日期占位符 3">
             <a:extLst>
               <a:ext uri="{FF2B5EF4-FFF2-40B4-BE49-F238E27FC236}">
-                <a16:creationId xmlns:a16="http://schemas.microsoft.com/office/drawing/2014/main" id="{1B12DF08-C168-083A-A5A9-A33E6F5AF672}"/>
+                <a16:creationId xmlns:a16="http://schemas.microsoft.com/office/drawing/2014/main" id="{82733B35-7235-3098-7DA1-7BD989F8EC4D}"/>
               </a:ext>
             </a:extLst>
           </p:cNvPr>
@@ -658,7 +658,7 @@
           <a:bodyPr/>
           <a:lstStyle/>
           <a:p>
-            <a:fld id="{4AC4825B-DD2A-43F4-A414-3C3DE5EB708F}" type="datetimeFigureOut">
+            <a:fld id="{4E5DD81E-C2FF-44D9-80F9-B592F4D7ABEA}" type="datetimeFigureOut">
               <a:rPr lang="zh-CN" altLang="en-US" smtClean="0"/>
               <a:t>2024/3/10</a:t>
             </a:fld>
@@ -671,7 +671,7 @@
           <p:cNvPr id="5" name="页脚占位符 4">
             <a:extLst>
               <a:ext uri="{FF2B5EF4-FFF2-40B4-BE49-F238E27FC236}">
-                <a16:creationId xmlns:a16="http://schemas.microsoft.com/office/drawing/2014/main" id="{E7837655-FF52-C1AC-5448-D31F36535F6E}"/>
+                <a16:creationId xmlns:a16="http://schemas.microsoft.com/office/drawing/2014/main" id="{F1465AD4-ED0C-510C-E594-44EB2758EBEF}"/>
               </a:ext>
             </a:extLst>
           </p:cNvPr>
@@ -696,7 +696,7 @@
           <p:cNvPr id="6" name="灯片编号占位符 5">
             <a:extLst>
               <a:ext uri="{FF2B5EF4-FFF2-40B4-BE49-F238E27FC236}">
-                <a16:creationId xmlns:a16="http://schemas.microsoft.com/office/drawing/2014/main" id="{EEDCD9B5-3917-46C0-F3D1-22E6F790EB37}"/>
+                <a16:creationId xmlns:a16="http://schemas.microsoft.com/office/drawing/2014/main" id="{5C047986-94FA-9BCE-EE74-453F0492B415}"/>
               </a:ext>
             </a:extLst>
           </p:cNvPr>
@@ -712,7 +712,7 @@
           <a:bodyPr/>
           <a:lstStyle/>
           <a:p>
-            <a:fld id="{89B8D5F6-16F9-40AC-9585-88446A60F740}" type="slidenum">
+            <a:fld id="{58A4C169-B032-4EA2-A37D-0E1DC3F0344F}" type="slidenum">
               <a:rPr lang="zh-CN" altLang="en-US" smtClean="0"/>
               <a:t>‹#›</a:t>
             </a:fld>
@@ -723,7 +723,7 @@
     </p:spTree>
     <p:extLst>
       <p:ext uri="{BB962C8B-B14F-4D97-AF65-F5344CB8AC3E}">
-        <p14:creationId xmlns:p14="http://schemas.microsoft.com/office/powerpoint/2010/main" val="142416091"/>
+        <p14:creationId xmlns:p14="http://schemas.microsoft.com/office/powerpoint/2010/main" val="3666811781"/>
       </p:ext>
     </p:extLst>
   </p:cSld>
@@ -755,7 +755,7 @@
           <p:cNvPr id="2" name="标题 1">
             <a:extLst>
               <a:ext uri="{FF2B5EF4-FFF2-40B4-BE49-F238E27FC236}">
-                <a16:creationId xmlns:a16="http://schemas.microsoft.com/office/drawing/2014/main" id="{9FAC0477-AAF1-7195-4591-81809A93D4A8}"/>
+                <a16:creationId xmlns:a16="http://schemas.microsoft.com/office/drawing/2014/main" id="{54713467-C3BE-A6DD-F79A-83AAFABC3872}"/>
               </a:ext>
             </a:extLst>
           </p:cNvPr>
@@ -783,7 +783,7 @@
           <p:cNvPr id="3" name="内容占位符 2">
             <a:extLst>
               <a:ext uri="{FF2B5EF4-FFF2-40B4-BE49-F238E27FC236}">
-                <a16:creationId xmlns:a16="http://schemas.microsoft.com/office/drawing/2014/main" id="{A0AC59F9-A426-A5F5-998F-CD2CBFC9EA9E}"/>
+                <a16:creationId xmlns:a16="http://schemas.microsoft.com/office/drawing/2014/main" id="{A32A143F-77B4-6FAD-52D2-14FF947DF7E5}"/>
               </a:ext>
             </a:extLst>
           </p:cNvPr>
@@ -840,7 +840,7 @@
           <p:cNvPr id="4" name="日期占位符 3">
             <a:extLst>
               <a:ext uri="{FF2B5EF4-FFF2-40B4-BE49-F238E27FC236}">
-                <a16:creationId xmlns:a16="http://schemas.microsoft.com/office/drawing/2014/main" id="{88C05A32-FBA9-042F-B7BE-D9B5D375B124}"/>
+                <a16:creationId xmlns:a16="http://schemas.microsoft.com/office/drawing/2014/main" id="{A52352BE-45A3-C3E6-A0AF-5BEB5D215412}"/>
               </a:ext>
             </a:extLst>
           </p:cNvPr>
@@ -856,7 +856,7 @@
           <a:bodyPr/>
           <a:lstStyle/>
           <a:p>
-            <a:fld id="{4AC4825B-DD2A-43F4-A414-3C3DE5EB708F}" type="datetimeFigureOut">
+            <a:fld id="{4E5DD81E-C2FF-44D9-80F9-B592F4D7ABEA}" type="datetimeFigureOut">
               <a:rPr lang="zh-CN" altLang="en-US" smtClean="0"/>
               <a:t>2024/3/10</a:t>
             </a:fld>
@@ -869,7 +869,7 @@
           <p:cNvPr id="5" name="页脚占位符 4">
             <a:extLst>
               <a:ext uri="{FF2B5EF4-FFF2-40B4-BE49-F238E27FC236}">
-                <a16:creationId xmlns:a16="http://schemas.microsoft.com/office/drawing/2014/main" id="{05B7F9FF-0363-7918-E956-FB4446B25A00}"/>
+                <a16:creationId xmlns:a16="http://schemas.microsoft.com/office/drawing/2014/main" id="{CCB7066C-5478-8D1D-E15D-C61BB73CF18B}"/>
               </a:ext>
             </a:extLst>
           </p:cNvPr>
@@ -894,7 +894,7 @@
           <p:cNvPr id="6" name="灯片编号占位符 5">
             <a:extLst>
               <a:ext uri="{FF2B5EF4-FFF2-40B4-BE49-F238E27FC236}">
-                <a16:creationId xmlns:a16="http://schemas.microsoft.com/office/drawing/2014/main" id="{F81CD428-DC20-349A-E5F0-E2314068D844}"/>
+                <a16:creationId xmlns:a16="http://schemas.microsoft.com/office/drawing/2014/main" id="{2234923B-B3EA-C5B7-0A97-4C3601361672}"/>
               </a:ext>
             </a:extLst>
           </p:cNvPr>
@@ -910,7 +910,7 @@
           <a:bodyPr/>
           <a:lstStyle/>
           <a:p>
-            <a:fld id="{89B8D5F6-16F9-40AC-9585-88446A60F740}" type="slidenum">
+            <a:fld id="{58A4C169-B032-4EA2-A37D-0E1DC3F0344F}" type="slidenum">
               <a:rPr lang="zh-CN" altLang="en-US" smtClean="0"/>
               <a:t>‹#›</a:t>
             </a:fld>
@@ -921,7 +921,7 @@
     </p:spTree>
     <p:extLst>
       <p:ext uri="{BB962C8B-B14F-4D97-AF65-F5344CB8AC3E}">
-        <p14:creationId xmlns:p14="http://schemas.microsoft.com/office/powerpoint/2010/main" val="1384083712"/>
+        <p14:creationId xmlns:p14="http://schemas.microsoft.com/office/powerpoint/2010/main" val="3909233273"/>
       </p:ext>
     </p:extLst>
   </p:cSld>
@@ -953,7 +953,7 @@
           <p:cNvPr id="2" name="标题 1">
             <a:extLst>
               <a:ext uri="{FF2B5EF4-FFF2-40B4-BE49-F238E27FC236}">
-                <a16:creationId xmlns:a16="http://schemas.microsoft.com/office/drawing/2014/main" id="{8F467494-6A2C-FCA9-3854-5F8AA4991D31}"/>
+                <a16:creationId xmlns:a16="http://schemas.microsoft.com/office/drawing/2014/main" id="{F0F32D83-1213-0F12-50B9-CF0FD23E5E30}"/>
               </a:ext>
             </a:extLst>
           </p:cNvPr>
@@ -990,7 +990,7 @@
           <p:cNvPr id="3" name="文本占位符 2">
             <a:extLst>
               <a:ext uri="{FF2B5EF4-FFF2-40B4-BE49-F238E27FC236}">
-                <a16:creationId xmlns:a16="http://schemas.microsoft.com/office/drawing/2014/main" id="{8E4747A5-A4C0-1E8C-390E-4081A9CD9F0E}"/>
+                <a16:creationId xmlns:a16="http://schemas.microsoft.com/office/drawing/2014/main" id="{BFFFD8E0-BD0E-0EAA-99E6-607EEB1DE410}"/>
               </a:ext>
             </a:extLst>
           </p:cNvPr>
@@ -1115,7 +1115,7 @@
           <p:cNvPr id="4" name="日期占位符 3">
             <a:extLst>
               <a:ext uri="{FF2B5EF4-FFF2-40B4-BE49-F238E27FC236}">
-                <a16:creationId xmlns:a16="http://schemas.microsoft.com/office/drawing/2014/main" id="{2C51EB9F-F6F7-D680-E89F-BCBC1B3DE22B}"/>
+                <a16:creationId xmlns:a16="http://schemas.microsoft.com/office/drawing/2014/main" id="{84FC0E4E-C580-541D-DFF0-2A9BCF33305A}"/>
               </a:ext>
             </a:extLst>
           </p:cNvPr>
@@ -1131,7 +1131,7 @@
           <a:bodyPr/>
           <a:lstStyle/>
           <a:p>
-            <a:fld id="{4AC4825B-DD2A-43F4-A414-3C3DE5EB708F}" type="datetimeFigureOut">
+            <a:fld id="{4E5DD81E-C2FF-44D9-80F9-B592F4D7ABEA}" type="datetimeFigureOut">
               <a:rPr lang="zh-CN" altLang="en-US" smtClean="0"/>
               <a:t>2024/3/10</a:t>
             </a:fld>
@@ -1144,7 +1144,7 @@
           <p:cNvPr id="5" name="页脚占位符 4">
             <a:extLst>
               <a:ext uri="{FF2B5EF4-FFF2-40B4-BE49-F238E27FC236}">
-                <a16:creationId xmlns:a16="http://schemas.microsoft.com/office/drawing/2014/main" id="{AF0232CC-6F78-904E-B550-463478829920}"/>
+                <a16:creationId xmlns:a16="http://schemas.microsoft.com/office/drawing/2014/main" id="{5FBB7BAC-A73E-F3DB-0D8D-C169EC899D62}"/>
               </a:ext>
             </a:extLst>
           </p:cNvPr>
@@ -1169,7 +1169,7 @@
           <p:cNvPr id="6" name="灯片编号占位符 5">
             <a:extLst>
               <a:ext uri="{FF2B5EF4-FFF2-40B4-BE49-F238E27FC236}">
-                <a16:creationId xmlns:a16="http://schemas.microsoft.com/office/drawing/2014/main" id="{BE85D547-57C1-7A60-F9BE-6FE7AA8EBA7E}"/>
+                <a16:creationId xmlns:a16="http://schemas.microsoft.com/office/drawing/2014/main" id="{F795124E-5868-4939-1774-52CCC18A3713}"/>
               </a:ext>
             </a:extLst>
           </p:cNvPr>
@@ -1185,7 +1185,7 @@
           <a:bodyPr/>
           <a:lstStyle/>
           <a:p>
-            <a:fld id="{89B8D5F6-16F9-40AC-9585-88446A60F740}" type="slidenum">
+            <a:fld id="{58A4C169-B032-4EA2-A37D-0E1DC3F0344F}" type="slidenum">
               <a:rPr lang="zh-CN" altLang="en-US" smtClean="0"/>
               <a:t>‹#›</a:t>
             </a:fld>
@@ -1196,7 +1196,7 @@
     </p:spTree>
     <p:extLst>
       <p:ext uri="{BB962C8B-B14F-4D97-AF65-F5344CB8AC3E}">
-        <p14:creationId xmlns:p14="http://schemas.microsoft.com/office/powerpoint/2010/main" val="1562004376"/>
+        <p14:creationId xmlns:p14="http://schemas.microsoft.com/office/powerpoint/2010/main" val="492121380"/>
       </p:ext>
     </p:extLst>
   </p:cSld>
@@ -1228,7 +1228,7 @@
           <p:cNvPr id="2" name="标题 1">
             <a:extLst>
               <a:ext uri="{FF2B5EF4-FFF2-40B4-BE49-F238E27FC236}">
-                <a16:creationId xmlns:a16="http://schemas.microsoft.com/office/drawing/2014/main" id="{E25BA8BB-70EC-6F09-93DC-0B0C560F00D5}"/>
+                <a16:creationId xmlns:a16="http://schemas.microsoft.com/office/drawing/2014/main" id="{10574E87-80A4-9987-62F0-6A54A2798264}"/>
               </a:ext>
             </a:extLst>
           </p:cNvPr>
@@ -1256,7 +1256,7 @@
           <p:cNvPr id="3" name="内容占位符 2">
             <a:extLst>
               <a:ext uri="{FF2B5EF4-FFF2-40B4-BE49-F238E27FC236}">
-                <a16:creationId xmlns:a16="http://schemas.microsoft.com/office/drawing/2014/main" id="{77984473-7F5D-2E84-49A6-3C35A7488BB7}"/>
+                <a16:creationId xmlns:a16="http://schemas.microsoft.com/office/drawing/2014/main" id="{0AC0AF8E-E4A5-C849-1ABC-D65BC2C3DCD3}"/>
               </a:ext>
             </a:extLst>
           </p:cNvPr>
@@ -1318,7 +1318,7 @@
           <p:cNvPr id="4" name="内容占位符 3">
             <a:extLst>
               <a:ext uri="{FF2B5EF4-FFF2-40B4-BE49-F238E27FC236}">
-                <a16:creationId xmlns:a16="http://schemas.microsoft.com/office/drawing/2014/main" id="{BEE07A7B-3F06-22D8-22A5-A7DD7F6532C8}"/>
+                <a16:creationId xmlns:a16="http://schemas.microsoft.com/office/drawing/2014/main" id="{8F468744-08B6-3A1F-8F4D-B661668582F8}"/>
               </a:ext>
             </a:extLst>
           </p:cNvPr>
@@ -1380,7 +1380,7 @@
           <p:cNvPr id="5" name="日期占位符 4">
             <a:extLst>
               <a:ext uri="{FF2B5EF4-FFF2-40B4-BE49-F238E27FC236}">
-                <a16:creationId xmlns:a16="http://schemas.microsoft.com/office/drawing/2014/main" id="{18A1067C-1BAF-EC40-BF5A-9DFA8156BE22}"/>
+                <a16:creationId xmlns:a16="http://schemas.microsoft.com/office/drawing/2014/main" id="{29295B0F-2D24-B8D1-6570-903698AA37E7}"/>
               </a:ext>
             </a:extLst>
           </p:cNvPr>
@@ -1396,7 +1396,7 @@
           <a:bodyPr/>
           <a:lstStyle/>
           <a:p>
-            <a:fld id="{4AC4825B-DD2A-43F4-A414-3C3DE5EB708F}" type="datetimeFigureOut">
+            <a:fld id="{4E5DD81E-C2FF-44D9-80F9-B592F4D7ABEA}" type="datetimeFigureOut">
               <a:rPr lang="zh-CN" altLang="en-US" smtClean="0"/>
               <a:t>2024/3/10</a:t>
             </a:fld>
@@ -1409,7 +1409,7 @@
           <p:cNvPr id="6" name="页脚占位符 5">
             <a:extLst>
               <a:ext uri="{FF2B5EF4-FFF2-40B4-BE49-F238E27FC236}">
-                <a16:creationId xmlns:a16="http://schemas.microsoft.com/office/drawing/2014/main" id="{2AC1E1F5-BDF7-ED4C-069C-7EAEEEB292A6}"/>
+                <a16:creationId xmlns:a16="http://schemas.microsoft.com/office/drawing/2014/main" id="{DF62FDFD-DC94-4706-E611-0E1973BA3521}"/>
               </a:ext>
             </a:extLst>
           </p:cNvPr>
@@ -1434,7 +1434,7 @@
           <p:cNvPr id="7" name="灯片编号占位符 6">
             <a:extLst>
               <a:ext uri="{FF2B5EF4-FFF2-40B4-BE49-F238E27FC236}">
-                <a16:creationId xmlns:a16="http://schemas.microsoft.com/office/drawing/2014/main" id="{7EB77D58-75ED-B816-56B9-7537F65E3949}"/>
+                <a16:creationId xmlns:a16="http://schemas.microsoft.com/office/drawing/2014/main" id="{91D8ADF4-1C05-D5CD-4DF5-59BE9ED2B669}"/>
               </a:ext>
             </a:extLst>
           </p:cNvPr>
@@ -1450,7 +1450,7 @@
           <a:bodyPr/>
           <a:lstStyle/>
           <a:p>
-            <a:fld id="{89B8D5F6-16F9-40AC-9585-88446A60F740}" type="slidenum">
+            <a:fld id="{58A4C169-B032-4EA2-A37D-0E1DC3F0344F}" type="slidenum">
               <a:rPr lang="zh-CN" altLang="en-US" smtClean="0"/>
               <a:t>‹#›</a:t>
             </a:fld>
@@ -1461,7 +1461,7 @@
     </p:spTree>
     <p:extLst>
       <p:ext uri="{BB962C8B-B14F-4D97-AF65-F5344CB8AC3E}">
-        <p14:creationId xmlns:p14="http://schemas.microsoft.com/office/powerpoint/2010/main" val="1210079196"/>
+        <p14:creationId xmlns:p14="http://schemas.microsoft.com/office/powerpoint/2010/main" val="868295939"/>
       </p:ext>
     </p:extLst>
   </p:cSld>
@@ -1493,7 +1493,7 @@
           <p:cNvPr id="2" name="标题 1">
             <a:extLst>
               <a:ext uri="{FF2B5EF4-FFF2-40B4-BE49-F238E27FC236}">
-                <a16:creationId xmlns:a16="http://schemas.microsoft.com/office/drawing/2014/main" id="{36A4B662-CEB9-1FF0-E07C-396EFEE74280}"/>
+                <a16:creationId xmlns:a16="http://schemas.microsoft.com/office/drawing/2014/main" id="{FEB42D39-184B-6163-B839-05E5784F5D7B}"/>
               </a:ext>
             </a:extLst>
           </p:cNvPr>
@@ -1526,7 +1526,7 @@
           <p:cNvPr id="3" name="文本占位符 2">
             <a:extLst>
               <a:ext uri="{FF2B5EF4-FFF2-40B4-BE49-F238E27FC236}">
-                <a16:creationId xmlns:a16="http://schemas.microsoft.com/office/drawing/2014/main" id="{C7385C36-D7C9-5309-4425-F91323671594}"/>
+                <a16:creationId xmlns:a16="http://schemas.microsoft.com/office/drawing/2014/main" id="{84F08D53-6975-D4F1-853D-E122E2324C3F}"/>
               </a:ext>
             </a:extLst>
           </p:cNvPr>
@@ -1597,7 +1597,7 @@
           <p:cNvPr id="4" name="内容占位符 3">
             <a:extLst>
               <a:ext uri="{FF2B5EF4-FFF2-40B4-BE49-F238E27FC236}">
-                <a16:creationId xmlns:a16="http://schemas.microsoft.com/office/drawing/2014/main" id="{391AB859-BC7C-ED9C-7B26-64594C2658F8}"/>
+                <a16:creationId xmlns:a16="http://schemas.microsoft.com/office/drawing/2014/main" id="{BB765FF5-8B00-AF25-46CB-5B603958B618}"/>
               </a:ext>
             </a:extLst>
           </p:cNvPr>
@@ -1659,7 +1659,7 @@
           <p:cNvPr id="5" name="文本占位符 4">
             <a:extLst>
               <a:ext uri="{FF2B5EF4-FFF2-40B4-BE49-F238E27FC236}">
-                <a16:creationId xmlns:a16="http://schemas.microsoft.com/office/drawing/2014/main" id="{B4F75151-69F0-B2A9-3EC0-81EEFE9042AB}"/>
+                <a16:creationId xmlns:a16="http://schemas.microsoft.com/office/drawing/2014/main" id="{E75C717A-FD0E-6EB5-E790-3DE886409C3B}"/>
               </a:ext>
             </a:extLst>
           </p:cNvPr>
@@ -1730,7 +1730,7 @@
           <p:cNvPr id="6" name="内容占位符 5">
             <a:extLst>
               <a:ext uri="{FF2B5EF4-FFF2-40B4-BE49-F238E27FC236}">
-                <a16:creationId xmlns:a16="http://schemas.microsoft.com/office/drawing/2014/main" id="{6A3BDFE2-A035-B670-FC74-D03765AD20A0}"/>
+                <a16:creationId xmlns:a16="http://schemas.microsoft.com/office/drawing/2014/main" id="{ADB2FEA7-CF89-4D06-D78E-6D418DE0B2B2}"/>
               </a:ext>
             </a:extLst>
           </p:cNvPr>
@@ -1792,7 +1792,7 @@
           <p:cNvPr id="7" name="日期占位符 6">
             <a:extLst>
               <a:ext uri="{FF2B5EF4-FFF2-40B4-BE49-F238E27FC236}">
-                <a16:creationId xmlns:a16="http://schemas.microsoft.com/office/drawing/2014/main" id="{CE4FF2C5-6EAF-FCE0-2015-0DE293F9E13C}"/>
+                <a16:creationId xmlns:a16="http://schemas.microsoft.com/office/drawing/2014/main" id="{224DC8B1-B634-D073-E56F-EAF8E65413B1}"/>
               </a:ext>
             </a:extLst>
           </p:cNvPr>
@@ -1808,7 +1808,7 @@
           <a:bodyPr/>
           <a:lstStyle/>
           <a:p>
-            <a:fld id="{4AC4825B-DD2A-43F4-A414-3C3DE5EB708F}" type="datetimeFigureOut">
+            <a:fld id="{4E5DD81E-C2FF-44D9-80F9-B592F4D7ABEA}" type="datetimeFigureOut">
               <a:rPr lang="zh-CN" altLang="en-US" smtClean="0"/>
               <a:t>2024/3/10</a:t>
             </a:fld>
@@ -1821,7 +1821,7 @@
           <p:cNvPr id="8" name="页脚占位符 7">
             <a:extLst>
               <a:ext uri="{FF2B5EF4-FFF2-40B4-BE49-F238E27FC236}">
-                <a16:creationId xmlns:a16="http://schemas.microsoft.com/office/drawing/2014/main" id="{3BDBF198-5D0C-B614-DF43-B2A391C20521}"/>
+                <a16:creationId xmlns:a16="http://schemas.microsoft.com/office/drawing/2014/main" id="{928EDC80-D527-65BA-992E-3D38AB5BB516}"/>
               </a:ext>
             </a:extLst>
           </p:cNvPr>
@@ -1846,7 +1846,7 @@
           <p:cNvPr id="9" name="灯片编号占位符 8">
             <a:extLst>
               <a:ext uri="{FF2B5EF4-FFF2-40B4-BE49-F238E27FC236}">
-                <a16:creationId xmlns:a16="http://schemas.microsoft.com/office/drawing/2014/main" id="{2E2FE6F5-C47E-F0C6-B886-AC41FFBCE652}"/>
+                <a16:creationId xmlns:a16="http://schemas.microsoft.com/office/drawing/2014/main" id="{0CF1F3B5-636C-1E89-28F7-574CA3F2CCD8}"/>
               </a:ext>
             </a:extLst>
           </p:cNvPr>
@@ -1862,7 +1862,7 @@
           <a:bodyPr/>
           <a:lstStyle/>
           <a:p>
-            <a:fld id="{89B8D5F6-16F9-40AC-9585-88446A60F740}" type="slidenum">
+            <a:fld id="{58A4C169-B032-4EA2-A37D-0E1DC3F0344F}" type="slidenum">
               <a:rPr lang="zh-CN" altLang="en-US" smtClean="0"/>
               <a:t>‹#›</a:t>
             </a:fld>
@@ -1873,7 +1873,7 @@
     </p:spTree>
     <p:extLst>
       <p:ext uri="{BB962C8B-B14F-4D97-AF65-F5344CB8AC3E}">
-        <p14:creationId xmlns:p14="http://schemas.microsoft.com/office/powerpoint/2010/main" val="2389909202"/>
+        <p14:creationId xmlns:p14="http://schemas.microsoft.com/office/powerpoint/2010/main" val="1938936738"/>
       </p:ext>
     </p:extLst>
   </p:cSld>
@@ -1905,7 +1905,7 @@
           <p:cNvPr id="2" name="标题 1">
             <a:extLst>
               <a:ext uri="{FF2B5EF4-FFF2-40B4-BE49-F238E27FC236}">
-                <a16:creationId xmlns:a16="http://schemas.microsoft.com/office/drawing/2014/main" id="{3B9CF1A9-35FC-B72D-75BA-9C558ADFAF3C}"/>
+                <a16:creationId xmlns:a16="http://schemas.microsoft.com/office/drawing/2014/main" id="{B553C752-DCF5-46A8-4D5C-613093871EF4}"/>
               </a:ext>
             </a:extLst>
           </p:cNvPr>
@@ -1933,7 +1933,7 @@
           <p:cNvPr id="3" name="日期占位符 2">
             <a:extLst>
               <a:ext uri="{FF2B5EF4-FFF2-40B4-BE49-F238E27FC236}">
-                <a16:creationId xmlns:a16="http://schemas.microsoft.com/office/drawing/2014/main" id="{2E3F24E4-074B-74C1-4CDC-F674BB3FE85E}"/>
+                <a16:creationId xmlns:a16="http://schemas.microsoft.com/office/drawing/2014/main" id="{FCA2E3E1-D4E2-7CE3-3FFA-4B4821098173}"/>
               </a:ext>
             </a:extLst>
           </p:cNvPr>
@@ -1949,7 +1949,7 @@
           <a:bodyPr/>
           <a:lstStyle/>
           <a:p>
-            <a:fld id="{4AC4825B-DD2A-43F4-A414-3C3DE5EB708F}" type="datetimeFigureOut">
+            <a:fld id="{4E5DD81E-C2FF-44D9-80F9-B592F4D7ABEA}" type="datetimeFigureOut">
               <a:rPr lang="zh-CN" altLang="en-US" smtClean="0"/>
               <a:t>2024/3/10</a:t>
             </a:fld>
@@ -1962,7 +1962,7 @@
           <p:cNvPr id="4" name="页脚占位符 3">
             <a:extLst>
               <a:ext uri="{FF2B5EF4-FFF2-40B4-BE49-F238E27FC236}">
-                <a16:creationId xmlns:a16="http://schemas.microsoft.com/office/drawing/2014/main" id="{6B6EBD1D-A09C-B7B1-22A2-6BE0837AE6A4}"/>
+                <a16:creationId xmlns:a16="http://schemas.microsoft.com/office/drawing/2014/main" id="{B44C7B20-E1F4-1002-2AEB-37C9D568C9C3}"/>
               </a:ext>
             </a:extLst>
           </p:cNvPr>
@@ -1987,7 +1987,7 @@
           <p:cNvPr id="5" name="灯片编号占位符 4">
             <a:extLst>
               <a:ext uri="{FF2B5EF4-FFF2-40B4-BE49-F238E27FC236}">
-                <a16:creationId xmlns:a16="http://schemas.microsoft.com/office/drawing/2014/main" id="{2FD87DB6-7959-D187-EAFA-BA200E5FED42}"/>
+                <a16:creationId xmlns:a16="http://schemas.microsoft.com/office/drawing/2014/main" id="{C21931BD-C18B-C697-0902-2A6F43B46320}"/>
               </a:ext>
             </a:extLst>
           </p:cNvPr>
@@ -2003,7 +2003,7 @@
           <a:bodyPr/>
           <a:lstStyle/>
           <a:p>
-            <a:fld id="{89B8D5F6-16F9-40AC-9585-88446A60F740}" type="slidenum">
+            <a:fld id="{58A4C169-B032-4EA2-A37D-0E1DC3F0344F}" type="slidenum">
               <a:rPr lang="zh-CN" altLang="en-US" smtClean="0"/>
               <a:t>‹#›</a:t>
             </a:fld>
@@ -2014,7 +2014,7 @@
     </p:spTree>
     <p:extLst>
       <p:ext uri="{BB962C8B-B14F-4D97-AF65-F5344CB8AC3E}">
-        <p14:creationId xmlns:p14="http://schemas.microsoft.com/office/powerpoint/2010/main" val="1022104928"/>
+        <p14:creationId xmlns:p14="http://schemas.microsoft.com/office/powerpoint/2010/main" val="349875002"/>
       </p:ext>
     </p:extLst>
   </p:cSld>
@@ -2046,7 +2046,7 @@
           <p:cNvPr id="2" name="日期占位符 1">
             <a:extLst>
               <a:ext uri="{FF2B5EF4-FFF2-40B4-BE49-F238E27FC236}">
-                <a16:creationId xmlns:a16="http://schemas.microsoft.com/office/drawing/2014/main" id="{281C33ED-AA56-9DC1-2728-B3555D603449}"/>
+                <a16:creationId xmlns:a16="http://schemas.microsoft.com/office/drawing/2014/main" id="{E3378B52-5A3F-88E2-EA6F-3D2D75F3800F}"/>
               </a:ext>
             </a:extLst>
           </p:cNvPr>
@@ -2062,7 +2062,7 @@
           <a:bodyPr/>
           <a:lstStyle/>
           <a:p>
-            <a:fld id="{4AC4825B-DD2A-43F4-A414-3C3DE5EB708F}" type="datetimeFigureOut">
+            <a:fld id="{4E5DD81E-C2FF-44D9-80F9-B592F4D7ABEA}" type="datetimeFigureOut">
               <a:rPr lang="zh-CN" altLang="en-US" smtClean="0"/>
               <a:t>2024/3/10</a:t>
             </a:fld>
@@ -2075,7 +2075,7 @@
           <p:cNvPr id="3" name="页脚占位符 2">
             <a:extLst>
               <a:ext uri="{FF2B5EF4-FFF2-40B4-BE49-F238E27FC236}">
-                <a16:creationId xmlns:a16="http://schemas.microsoft.com/office/drawing/2014/main" id="{753A259A-833C-E680-75C4-9C4DC2A8230E}"/>
+                <a16:creationId xmlns:a16="http://schemas.microsoft.com/office/drawing/2014/main" id="{6DB5AE5D-2D44-F62E-A6F8-CBB5B8BF25DF}"/>
               </a:ext>
             </a:extLst>
           </p:cNvPr>
@@ -2100,7 +2100,7 @@
           <p:cNvPr id="4" name="灯片编号占位符 3">
             <a:extLst>
               <a:ext uri="{FF2B5EF4-FFF2-40B4-BE49-F238E27FC236}">
-                <a16:creationId xmlns:a16="http://schemas.microsoft.com/office/drawing/2014/main" id="{EF2A8FDD-64B3-F68F-2417-48AA9654DECD}"/>
+                <a16:creationId xmlns:a16="http://schemas.microsoft.com/office/drawing/2014/main" id="{BAAD62A9-92DB-2578-0CB8-C08F3D668EAB}"/>
               </a:ext>
             </a:extLst>
           </p:cNvPr>
@@ -2116,7 +2116,7 @@
           <a:bodyPr/>
           <a:lstStyle/>
           <a:p>
-            <a:fld id="{89B8D5F6-16F9-40AC-9585-88446A60F740}" type="slidenum">
+            <a:fld id="{58A4C169-B032-4EA2-A37D-0E1DC3F0344F}" type="slidenum">
               <a:rPr lang="zh-CN" altLang="en-US" smtClean="0"/>
               <a:t>‹#›</a:t>
             </a:fld>
@@ -2127,7 +2127,7 @@
     </p:spTree>
     <p:extLst>
       <p:ext uri="{BB962C8B-B14F-4D97-AF65-F5344CB8AC3E}">
-        <p14:creationId xmlns:p14="http://schemas.microsoft.com/office/powerpoint/2010/main" val="1373818094"/>
+        <p14:creationId xmlns:p14="http://schemas.microsoft.com/office/powerpoint/2010/main" val="973210868"/>
       </p:ext>
     </p:extLst>
   </p:cSld>
@@ -2159,7 +2159,7 @@
           <p:cNvPr id="2" name="标题 1">
             <a:extLst>
               <a:ext uri="{FF2B5EF4-FFF2-40B4-BE49-F238E27FC236}">
-                <a16:creationId xmlns:a16="http://schemas.microsoft.com/office/drawing/2014/main" id="{89FE4380-81CB-AD78-AAB1-38DD56F331C7}"/>
+                <a16:creationId xmlns:a16="http://schemas.microsoft.com/office/drawing/2014/main" id="{C6C36F97-E6BB-6619-5259-A0F510A36F5F}"/>
               </a:ext>
             </a:extLst>
           </p:cNvPr>
@@ -2196,7 +2196,7 @@
           <p:cNvPr id="3" name="内容占位符 2">
             <a:extLst>
               <a:ext uri="{FF2B5EF4-FFF2-40B4-BE49-F238E27FC236}">
-                <a16:creationId xmlns:a16="http://schemas.microsoft.com/office/drawing/2014/main" id="{C95E3E20-CE86-4089-79C6-ACB6012143CF}"/>
+                <a16:creationId xmlns:a16="http://schemas.microsoft.com/office/drawing/2014/main" id="{30A5D53C-53D1-5C6B-5B3B-8078744E71BA}"/>
               </a:ext>
             </a:extLst>
           </p:cNvPr>
@@ -2286,7 +2286,7 @@
           <p:cNvPr id="4" name="文本占位符 3">
             <a:extLst>
               <a:ext uri="{FF2B5EF4-FFF2-40B4-BE49-F238E27FC236}">
-                <a16:creationId xmlns:a16="http://schemas.microsoft.com/office/drawing/2014/main" id="{6AF74DBE-28A0-9E23-1012-5459CAE33EEF}"/>
+                <a16:creationId xmlns:a16="http://schemas.microsoft.com/office/drawing/2014/main" id="{F46C02BB-3C97-35C3-B0F5-F5A9A8A5B091}"/>
               </a:ext>
             </a:extLst>
           </p:cNvPr>
@@ -2357,7 +2357,7 @@
           <p:cNvPr id="5" name="日期占位符 4">
             <a:extLst>
               <a:ext uri="{FF2B5EF4-FFF2-40B4-BE49-F238E27FC236}">
-                <a16:creationId xmlns:a16="http://schemas.microsoft.com/office/drawing/2014/main" id="{5191DFD4-79DF-FFA4-EC92-CCDF449BDB6E}"/>
+                <a16:creationId xmlns:a16="http://schemas.microsoft.com/office/drawing/2014/main" id="{8E1F318C-3603-1C5B-50A7-7D2A1E171B47}"/>
               </a:ext>
             </a:extLst>
           </p:cNvPr>
@@ -2373,7 +2373,7 @@
           <a:bodyPr/>
           <a:lstStyle/>
           <a:p>
-            <a:fld id="{4AC4825B-DD2A-43F4-A414-3C3DE5EB708F}" type="datetimeFigureOut">
+            <a:fld id="{4E5DD81E-C2FF-44D9-80F9-B592F4D7ABEA}" type="datetimeFigureOut">
               <a:rPr lang="zh-CN" altLang="en-US" smtClean="0"/>
               <a:t>2024/3/10</a:t>
             </a:fld>
@@ -2386,7 +2386,7 @@
           <p:cNvPr id="6" name="页脚占位符 5">
             <a:extLst>
               <a:ext uri="{FF2B5EF4-FFF2-40B4-BE49-F238E27FC236}">
-                <a16:creationId xmlns:a16="http://schemas.microsoft.com/office/drawing/2014/main" id="{54D1DCFA-4776-B23B-7E57-66316EF09079}"/>
+                <a16:creationId xmlns:a16="http://schemas.microsoft.com/office/drawing/2014/main" id="{DA14AEB8-9611-6D37-7D39-217923C9A6AA}"/>
               </a:ext>
             </a:extLst>
           </p:cNvPr>
@@ -2411,7 +2411,7 @@
           <p:cNvPr id="7" name="灯片编号占位符 6">
             <a:extLst>
               <a:ext uri="{FF2B5EF4-FFF2-40B4-BE49-F238E27FC236}">
-                <a16:creationId xmlns:a16="http://schemas.microsoft.com/office/drawing/2014/main" id="{1DE2A1FA-6233-EF0E-D4EA-80ADAEBF512C}"/>
+                <a16:creationId xmlns:a16="http://schemas.microsoft.com/office/drawing/2014/main" id="{93F7D2B4-772A-4920-02C1-4B560ED1C37B}"/>
               </a:ext>
             </a:extLst>
           </p:cNvPr>
@@ -2427,7 +2427,7 @@
           <a:bodyPr/>
           <a:lstStyle/>
           <a:p>
-            <a:fld id="{89B8D5F6-16F9-40AC-9585-88446A60F740}" type="slidenum">
+            <a:fld id="{58A4C169-B032-4EA2-A37D-0E1DC3F0344F}" type="slidenum">
               <a:rPr lang="zh-CN" altLang="en-US" smtClean="0"/>
               <a:t>‹#›</a:t>
             </a:fld>
@@ -2438,7 +2438,7 @@
     </p:spTree>
     <p:extLst>
       <p:ext uri="{BB962C8B-B14F-4D97-AF65-F5344CB8AC3E}">
-        <p14:creationId xmlns:p14="http://schemas.microsoft.com/office/powerpoint/2010/main" val="2374733862"/>
+        <p14:creationId xmlns:p14="http://schemas.microsoft.com/office/powerpoint/2010/main" val="276229444"/>
       </p:ext>
     </p:extLst>
   </p:cSld>
@@ -2470,7 +2470,7 @@
           <p:cNvPr id="2" name="标题 1">
             <a:extLst>
               <a:ext uri="{FF2B5EF4-FFF2-40B4-BE49-F238E27FC236}">
-                <a16:creationId xmlns:a16="http://schemas.microsoft.com/office/drawing/2014/main" id="{7EC6FCB0-B0ED-077D-45A9-59C35F76A388}"/>
+                <a16:creationId xmlns:a16="http://schemas.microsoft.com/office/drawing/2014/main" id="{61D3F724-4778-6175-EC2E-17930A8F62F4}"/>
               </a:ext>
             </a:extLst>
           </p:cNvPr>
@@ -2507,7 +2507,7 @@
           <p:cNvPr id="3" name="图片占位符 2">
             <a:extLst>
               <a:ext uri="{FF2B5EF4-FFF2-40B4-BE49-F238E27FC236}">
-                <a16:creationId xmlns:a16="http://schemas.microsoft.com/office/drawing/2014/main" id="{64BC1073-2FA9-D2C1-6389-59605FEC8D93}"/>
+                <a16:creationId xmlns:a16="http://schemas.microsoft.com/office/drawing/2014/main" id="{9E872938-668F-521F-C1FA-DF74C0E3819F}"/>
               </a:ext>
             </a:extLst>
           </p:cNvPr>
@@ -2574,7 +2574,7 @@
           <p:cNvPr id="4" name="文本占位符 3">
             <a:extLst>
               <a:ext uri="{FF2B5EF4-FFF2-40B4-BE49-F238E27FC236}">
-                <a16:creationId xmlns:a16="http://schemas.microsoft.com/office/drawing/2014/main" id="{11C9D918-A3DC-69F7-CB66-61905138C396}"/>
+                <a16:creationId xmlns:a16="http://schemas.microsoft.com/office/drawing/2014/main" id="{204012E6-69B6-2873-5D70-384F6DD6900A}"/>
               </a:ext>
             </a:extLst>
           </p:cNvPr>
@@ -2645,7 +2645,7 @@
           <p:cNvPr id="5" name="日期占位符 4">
             <a:extLst>
               <a:ext uri="{FF2B5EF4-FFF2-40B4-BE49-F238E27FC236}">
-                <a16:creationId xmlns:a16="http://schemas.microsoft.com/office/drawing/2014/main" id="{BD2C64CF-E8AA-E209-4B00-F41693A5FFD8}"/>
+                <a16:creationId xmlns:a16="http://schemas.microsoft.com/office/drawing/2014/main" id="{A627E299-7F1D-DE55-0913-E0D851DA370E}"/>
               </a:ext>
             </a:extLst>
           </p:cNvPr>
@@ -2661,7 +2661,7 @@
           <a:bodyPr/>
           <a:lstStyle/>
           <a:p>
-            <a:fld id="{4AC4825B-DD2A-43F4-A414-3C3DE5EB708F}" type="datetimeFigureOut">
+            <a:fld id="{4E5DD81E-C2FF-44D9-80F9-B592F4D7ABEA}" type="datetimeFigureOut">
               <a:rPr lang="zh-CN" altLang="en-US" smtClean="0"/>
               <a:t>2024/3/10</a:t>
             </a:fld>
@@ -2674,7 +2674,7 @@
           <p:cNvPr id="6" name="页脚占位符 5">
             <a:extLst>
               <a:ext uri="{FF2B5EF4-FFF2-40B4-BE49-F238E27FC236}">
-                <a16:creationId xmlns:a16="http://schemas.microsoft.com/office/drawing/2014/main" id="{604ADC57-E65D-0C08-4C57-3AD8B22DBD8E}"/>
+                <a16:creationId xmlns:a16="http://schemas.microsoft.com/office/drawing/2014/main" id="{08D76407-E9CD-6666-6150-3606DB19E503}"/>
               </a:ext>
             </a:extLst>
           </p:cNvPr>
@@ -2699,7 +2699,7 @@
           <p:cNvPr id="7" name="灯片编号占位符 6">
             <a:extLst>
               <a:ext uri="{FF2B5EF4-FFF2-40B4-BE49-F238E27FC236}">
-                <a16:creationId xmlns:a16="http://schemas.microsoft.com/office/drawing/2014/main" id="{4FA67ED3-20D4-7CF9-68D5-92EB0C9C22AE}"/>
+                <a16:creationId xmlns:a16="http://schemas.microsoft.com/office/drawing/2014/main" id="{43EF0922-9506-B0D1-3CA4-4DA2DA352840}"/>
               </a:ext>
             </a:extLst>
           </p:cNvPr>
@@ -2715,7 +2715,7 @@
           <a:bodyPr/>
           <a:lstStyle/>
           <a:p>
-            <a:fld id="{89B8D5F6-16F9-40AC-9585-88446A60F740}" type="slidenum">
+            <a:fld id="{58A4C169-B032-4EA2-A37D-0E1DC3F0344F}" type="slidenum">
               <a:rPr lang="zh-CN" altLang="en-US" smtClean="0"/>
               <a:t>‹#›</a:t>
             </a:fld>
@@ -2726,7 +2726,7 @@
     </p:spTree>
     <p:extLst>
       <p:ext uri="{BB962C8B-B14F-4D97-AF65-F5344CB8AC3E}">
-        <p14:creationId xmlns:p14="http://schemas.microsoft.com/office/powerpoint/2010/main" val="2489404766"/>
+        <p14:creationId xmlns:p14="http://schemas.microsoft.com/office/powerpoint/2010/main" val="942377491"/>
       </p:ext>
     </p:extLst>
   </p:cSld>
@@ -2763,7 +2763,7 @@
           <p:cNvPr id="2" name="标题占位符 1">
             <a:extLst>
               <a:ext uri="{FF2B5EF4-FFF2-40B4-BE49-F238E27FC236}">
-                <a16:creationId xmlns:a16="http://schemas.microsoft.com/office/drawing/2014/main" id="{86D6CA2F-D249-75D1-D419-37ACAE27FAD8}"/>
+                <a16:creationId xmlns:a16="http://schemas.microsoft.com/office/drawing/2014/main" id="{7729B5D6-67EF-B816-529F-7017BDA08983}"/>
               </a:ext>
             </a:extLst>
           </p:cNvPr>
@@ -2801,7 +2801,7 @@
           <p:cNvPr id="3" name="文本占位符 2">
             <a:extLst>
               <a:ext uri="{FF2B5EF4-FFF2-40B4-BE49-F238E27FC236}">
-                <a16:creationId xmlns:a16="http://schemas.microsoft.com/office/drawing/2014/main" id="{268895E6-5DE1-CFF6-8B94-EB2D810271C5}"/>
+                <a16:creationId xmlns:a16="http://schemas.microsoft.com/office/drawing/2014/main" id="{2B9332E6-BC5D-86FD-916C-F6A011E0C1CE}"/>
               </a:ext>
             </a:extLst>
           </p:cNvPr>
@@ -2868,7 +2868,7 @@
           <p:cNvPr id="4" name="日期占位符 3">
             <a:extLst>
               <a:ext uri="{FF2B5EF4-FFF2-40B4-BE49-F238E27FC236}">
-                <a16:creationId xmlns:a16="http://schemas.microsoft.com/office/drawing/2014/main" id="{A1D7EB53-C309-F414-9780-F58F53379199}"/>
+                <a16:creationId xmlns:a16="http://schemas.microsoft.com/office/drawing/2014/main" id="{928E8A5A-C9F1-6FF0-7768-6A8F6CA8D0D8}"/>
               </a:ext>
             </a:extLst>
           </p:cNvPr>
@@ -2902,7 +2902,7 @@
             </a:lvl1pPr>
           </a:lstStyle>
           <a:p>
-            <a:fld id="{4AC4825B-DD2A-43F4-A414-3C3DE5EB708F}" type="datetimeFigureOut">
+            <a:fld id="{4E5DD81E-C2FF-44D9-80F9-B592F4D7ABEA}" type="datetimeFigureOut">
               <a:rPr lang="zh-CN" altLang="en-US" smtClean="0"/>
               <a:t>2024/3/10</a:t>
             </a:fld>
@@ -2915,7 +2915,7 @@
           <p:cNvPr id="5" name="页脚占位符 4">
             <a:extLst>
               <a:ext uri="{FF2B5EF4-FFF2-40B4-BE49-F238E27FC236}">
-                <a16:creationId xmlns:a16="http://schemas.microsoft.com/office/drawing/2014/main" id="{8176CB86-406F-B9FB-C6C4-23F271BEC452}"/>
+                <a16:creationId xmlns:a16="http://schemas.microsoft.com/office/drawing/2014/main" id="{AD78347A-FDCF-4EDA-6375-4E0C281F0F66}"/>
               </a:ext>
             </a:extLst>
           </p:cNvPr>
@@ -2958,7 +2958,7 @@
           <p:cNvPr id="6" name="灯片编号占位符 5">
             <a:extLst>
               <a:ext uri="{FF2B5EF4-FFF2-40B4-BE49-F238E27FC236}">
-                <a16:creationId xmlns:a16="http://schemas.microsoft.com/office/drawing/2014/main" id="{DC190CE2-103D-6A8D-2360-0CA9B3C7433B}"/>
+                <a16:creationId xmlns:a16="http://schemas.microsoft.com/office/drawing/2014/main" id="{CE9FF1DE-1B28-9C66-B46C-3E3FC4C92137}"/>
               </a:ext>
             </a:extLst>
           </p:cNvPr>
@@ -2992,7 +2992,7 @@
             </a:lvl1pPr>
           </a:lstStyle>
           <a:p>
-            <a:fld id="{89B8D5F6-16F9-40AC-9585-88446A60F740}" type="slidenum">
+            <a:fld id="{58A4C169-B032-4EA2-A37D-0E1DC3F0344F}" type="slidenum">
               <a:rPr lang="zh-CN" altLang="en-US" smtClean="0"/>
               <a:t>‹#›</a:t>
             </a:fld>
@@ -3003,7 +3003,7 @@
     </p:spTree>
     <p:extLst>
       <p:ext uri="{BB962C8B-B14F-4D97-AF65-F5344CB8AC3E}">
-        <p14:creationId xmlns:p14="http://schemas.microsoft.com/office/powerpoint/2010/main" val="1438550380"/>
+        <p14:creationId xmlns:p14="http://schemas.microsoft.com/office/powerpoint/2010/main" val="975787875"/>
       </p:ext>
     </p:extLst>
   </p:cSld>
